--- a/swc 07 2017.pptx
+++ b/swc 07 2017.pptx
@@ -3502,11 +3502,7 @@
             </a:br>
             <a:r>
               <a:rPr lang="en-US" dirty="0" smtClean="0"/>
-              <a:t>-</a:t>
-            </a:r>
-            <a:r>
-              <a:rPr lang="en-US" dirty="0" smtClean="0"/>
-              <a:t>-if statements</a:t>
+              <a:t>--if statements</a:t>
             </a:r>
             <a:br>
               <a:rPr lang="en-US" dirty="0" smtClean="0"/>
@@ -3517,11 +3513,7 @@
             </a:r>
             <a:r>
               <a:rPr lang="en-US" dirty="0" err="1" smtClean="0"/>
-              <a:t>if</a:t>
-            </a:r>
-            <a:r>
-              <a:rPr lang="en-US" dirty="0" err="1" smtClean="0"/>
-              <a:t>..else</a:t>
+              <a:t>if..else</a:t>
             </a:r>
             <a:r>
               <a:rPr lang="en-US" dirty="0" smtClean="0"/>
@@ -3934,7 +3926,7 @@
         <p:spPr/>
         <p:txBody>
           <a:bodyPr>
-            <a:normAutofit fontScale="92500" lnSpcReduction="20000"/>
+            <a:normAutofit fontScale="77500" lnSpcReduction="20000"/>
           </a:bodyPr>
           <a:lstStyle/>
           <a:p>
@@ -4047,9 +4039,48 @@
               </a:rPr>
               <a:t>/</a:t>
             </a:r>
+            <a:endParaRPr lang="en-US" dirty="0" smtClean="0"/>
+          </a:p>
+          <a:p>
+            <a:endParaRPr lang="en-US" dirty="0"/>
+          </a:p>
+          <a:p>
+            <a:pPr marL="0" indent="0">
+              <a:buNone/>
+            </a:pPr>
             <a:r>
               <a:rPr lang="en-US" dirty="0" smtClean="0"/>
-              <a:t> </a:t>
+              <a:t>These slides</a:t>
+            </a:r>
+          </a:p>
+          <a:p>
+            <a:r>
+              <a:rPr lang="en-US" dirty="0">
+                <a:hlinkClick r:id="rId5"/>
+              </a:rPr>
+              <a:t>http://bit.ly</a:t>
+            </a:r>
+            <a:r>
+              <a:rPr lang="en-US">
+                <a:hlinkClick r:id="rId5"/>
+              </a:rPr>
+              <a:t>/slides-07-2017-swc-ucsf</a:t>
+            </a:r>
+            <a:r>
+              <a:rPr lang="en-US">
+                <a:hlinkClick r:id="rId5"/>
+              </a:rPr>
+              <a:t>-</a:t>
+            </a:r>
+            <a:r>
+              <a:rPr lang="en-US" smtClean="0">
+                <a:hlinkClick r:id="rId5"/>
+              </a:rPr>
+              <a:t>r</a:t>
+            </a:r>
+            <a:r>
+              <a:rPr lang="en-US" smtClean="0"/>
+              <a:t>  </a:t>
             </a:r>
             <a:endParaRPr lang="en-US" dirty="0"/>
           </a:p>
@@ -6781,19 +6812,7 @@
           <a:p>
             <a:r>
               <a:rPr lang="en-US" dirty="0" smtClean="0"/>
-              <a:t>In order to interact with R, we need to know </a:t>
-            </a:r>
-            <a:r>
-              <a:rPr lang="en-US" dirty="0" smtClean="0"/>
-              <a:t>the</a:t>
-            </a:r>
-            <a:r>
-              <a:rPr lang="en-US" dirty="0" smtClean="0"/>
-              <a:t> language it uses to interpret its data (‘data’ language)</a:t>
-            </a:r>
-            <a:r>
-              <a:rPr lang="en-US" dirty="0" smtClean="0"/>
-              <a:t/>
+              <a:t>In order to interact with R, we need to know the language it uses to interpret its data (‘data’ language)</a:t>
             </a:r>
             <a:br>
               <a:rPr lang="en-US" dirty="0" smtClean="0"/>
@@ -7184,11 +7203,7 @@
             </a:pPr>
             <a:r>
               <a:rPr lang="en-US" dirty="0" smtClean="0"/>
-              <a:t>Making </a:t>
-            </a:r>
-            <a:r>
-              <a:rPr lang="en-US" dirty="0" smtClean="0"/>
-              <a:t>reproducible reports</a:t>
+              <a:t>Making reproducible reports</a:t>
             </a:r>
             <a:br>
               <a:rPr lang="en-US" dirty="0" smtClean="0"/>
@@ -7690,13 +7705,8 @@
             </a:pPr>
             <a:r>
               <a:rPr lang="en-US" dirty="0" smtClean="0"/>
-              <a:t>6</a:t>
-            </a:r>
-            <a:r>
-              <a:rPr lang="en-US" dirty="0" smtClean="0"/>
-              <a:t> functions</a:t>
-            </a:r>
-            <a:endParaRPr lang="en-US" dirty="0" smtClean="0"/>
+              <a:t>6 functions</a:t>
+            </a:r>
           </a:p>
           <a:p>
             <a:pPr marL="514350" indent="-514350">
@@ -7709,13 +7719,8 @@
             </a:r>
             <a:r>
               <a:rPr lang="en-US" dirty="0" smtClean="0"/>
-              <a:t> </a:t>
-            </a:r>
-            <a:r>
-              <a:rPr lang="en-US" dirty="0" smtClean="0"/>
-              <a:t>~ ‘cut’ - split</a:t>
-            </a:r>
-            <a:endParaRPr lang="en-US" dirty="0" smtClean="0"/>
+              <a:t> ~ ‘cut’ - split</a:t>
+            </a:r>
           </a:p>
           <a:p>
             <a:pPr marL="514350" indent="-514350">
@@ -7728,13 +7733,8 @@
             </a:r>
             <a:r>
               <a:rPr lang="en-US" dirty="0" smtClean="0"/>
-              <a:t> </a:t>
-            </a:r>
-            <a:r>
-              <a:rPr lang="en-US" dirty="0" smtClean="0"/>
-              <a:t>~ ‘head’ / ‘tail’ - split</a:t>
-            </a:r>
-            <a:endParaRPr lang="en-US" dirty="0" smtClean="0"/>
+              <a:t> ~ ‘head’ / ‘tail’ - split</a:t>
+            </a:r>
           </a:p>
           <a:p>
             <a:pPr marL="514350" indent="-514350">
@@ -7765,13 +7765,8 @@
             </a:r>
             <a:r>
               <a:rPr lang="en-US" dirty="0" smtClean="0"/>
-              <a:t> </a:t>
-            </a:r>
-            <a:r>
-              <a:rPr lang="en-US" dirty="0" smtClean="0"/>
-              <a:t>- apply and combine</a:t>
-            </a:r>
-            <a:endParaRPr lang="en-US" dirty="0" smtClean="0"/>
+              <a:t> - apply and combine</a:t>
+            </a:r>
           </a:p>
           <a:p>
             <a:pPr marL="514350" indent="-514350">
@@ -7784,13 +7779,8 @@
             </a:r>
             <a:r>
               <a:rPr lang="en-US" dirty="0" smtClean="0"/>
-              <a:t> – </a:t>
-            </a:r>
-            <a:r>
-              <a:rPr lang="en-US" dirty="0" smtClean="0"/>
-              <a:t>apply and combine</a:t>
-            </a:r>
-            <a:endParaRPr lang="en-US" dirty="0" smtClean="0"/>
+              <a:t> – apply and combine</a:t>
+            </a:r>
           </a:p>
           <a:p>
             <a:pPr marL="0" indent="0">
@@ -7806,19 +7796,7 @@
               <a:rPr lang="en-US" b="1" dirty="0" smtClean="0">
                 <a:sym typeface="Wingdings"/>
               </a:rPr>
-              <a:t>%</a:t>
-            </a:r>
-            <a:r>
-              <a:rPr lang="en-US" b="1" dirty="0" smtClean="0">
-                <a:sym typeface="Wingdings"/>
-              </a:rPr>
-              <a:t>&gt;</a:t>
-            </a:r>
-            <a:r>
-              <a:rPr lang="en-US" b="1" dirty="0" smtClean="0">
-                <a:sym typeface="Wingdings"/>
-              </a:rPr>
-              <a:t>% </a:t>
+              <a:t>%&gt;% </a:t>
             </a:r>
             <a:r>
               <a:rPr lang="en-US" dirty="0" smtClean="0">
@@ -7826,9 +7804,6 @@
               </a:rPr>
               <a:t>- Piping!</a:t>
             </a:r>
-            <a:endParaRPr lang="en-US" dirty="0" smtClean="0">
-              <a:sym typeface="Wingdings"/>
-            </a:endParaRPr>
           </a:p>
         </p:txBody>
       </p:sp>
